--- a/surya_expectation/surya_expectation_multiple regression.pptx
+++ b/surya_expectation/surya_expectation_multiple regression.pptx
@@ -243,7 +243,7 @@
           <a:p>
             <a:fld id="{2D4E7BA2-63D0-4C99-A0B5-25A725DDB2CC}" type="datetimeFigureOut">
               <a:rPr lang="en-US" smtClean="0"/>
-              <a:t>5/7/2020</a:t>
+              <a:t>5/16/2020</a:t>
             </a:fld>
             <a:endParaRPr lang="en-US"/>
           </a:p>
@@ -413,7 +413,7 @@
           <a:p>
             <a:fld id="{2D4E7BA2-63D0-4C99-A0B5-25A725DDB2CC}" type="datetimeFigureOut">
               <a:rPr lang="en-US" smtClean="0"/>
-              <a:t>5/7/2020</a:t>
+              <a:t>5/16/2020</a:t>
             </a:fld>
             <a:endParaRPr lang="en-US"/>
           </a:p>
@@ -593,7 +593,7 @@
           <a:p>
             <a:fld id="{2D4E7BA2-63D0-4C99-A0B5-25A725DDB2CC}" type="datetimeFigureOut">
               <a:rPr lang="en-US" smtClean="0"/>
-              <a:t>5/7/2020</a:t>
+              <a:t>5/16/2020</a:t>
             </a:fld>
             <a:endParaRPr lang="en-US"/>
           </a:p>
@@ -763,7 +763,7 @@
           <a:p>
             <a:fld id="{2D4E7BA2-63D0-4C99-A0B5-25A725DDB2CC}" type="datetimeFigureOut">
               <a:rPr lang="en-US" smtClean="0"/>
-              <a:t>5/7/2020</a:t>
+              <a:t>5/16/2020</a:t>
             </a:fld>
             <a:endParaRPr lang="en-US"/>
           </a:p>
@@ -1007,7 +1007,7 @@
           <a:p>
             <a:fld id="{2D4E7BA2-63D0-4C99-A0B5-25A725DDB2CC}" type="datetimeFigureOut">
               <a:rPr lang="en-US" smtClean="0"/>
-              <a:t>5/7/2020</a:t>
+              <a:t>5/16/2020</a:t>
             </a:fld>
             <a:endParaRPr lang="en-US"/>
           </a:p>
@@ -1239,7 +1239,7 @@
           <a:p>
             <a:fld id="{2D4E7BA2-63D0-4C99-A0B5-25A725DDB2CC}" type="datetimeFigureOut">
               <a:rPr lang="en-US" smtClean="0"/>
-              <a:t>5/7/2020</a:t>
+              <a:t>5/16/2020</a:t>
             </a:fld>
             <a:endParaRPr lang="en-US"/>
           </a:p>
@@ -1606,7 +1606,7 @@
           <a:p>
             <a:fld id="{2D4E7BA2-63D0-4C99-A0B5-25A725DDB2CC}" type="datetimeFigureOut">
               <a:rPr lang="en-US" smtClean="0"/>
-              <a:t>5/7/2020</a:t>
+              <a:t>5/16/2020</a:t>
             </a:fld>
             <a:endParaRPr lang="en-US"/>
           </a:p>
@@ -1724,7 +1724,7 @@
           <a:p>
             <a:fld id="{2D4E7BA2-63D0-4C99-A0B5-25A725DDB2CC}" type="datetimeFigureOut">
               <a:rPr lang="en-US" smtClean="0"/>
-              <a:t>5/7/2020</a:t>
+              <a:t>5/16/2020</a:t>
             </a:fld>
             <a:endParaRPr lang="en-US"/>
           </a:p>
@@ -1819,7 +1819,7 @@
           <a:p>
             <a:fld id="{2D4E7BA2-63D0-4C99-A0B5-25A725DDB2CC}" type="datetimeFigureOut">
               <a:rPr lang="en-US" smtClean="0"/>
-              <a:t>5/7/2020</a:t>
+              <a:t>5/16/2020</a:t>
             </a:fld>
             <a:endParaRPr lang="en-US"/>
           </a:p>
@@ -2096,7 +2096,7 @@
           <a:p>
             <a:fld id="{2D4E7BA2-63D0-4C99-A0B5-25A725DDB2CC}" type="datetimeFigureOut">
               <a:rPr lang="en-US" smtClean="0"/>
-              <a:t>5/7/2020</a:t>
+              <a:t>5/16/2020</a:t>
             </a:fld>
             <a:endParaRPr lang="en-US"/>
           </a:p>
@@ -2353,7 +2353,7 @@
           <a:p>
             <a:fld id="{2D4E7BA2-63D0-4C99-A0B5-25A725DDB2CC}" type="datetimeFigureOut">
               <a:rPr lang="en-US" smtClean="0"/>
-              <a:t>5/7/2020</a:t>
+              <a:t>5/16/2020</a:t>
             </a:fld>
             <a:endParaRPr lang="en-US"/>
           </a:p>
@@ -2566,7 +2566,7 @@
           <a:p>
             <a:fld id="{2D4E7BA2-63D0-4C99-A0B5-25A725DDB2CC}" type="datetimeFigureOut">
               <a:rPr lang="en-US" smtClean="0"/>
-              <a:t>5/7/2020</a:t>
+              <a:t>5/16/2020</a:t>
             </a:fld>
             <a:endParaRPr lang="en-US"/>
           </a:p>
@@ -3429,12 +3429,16 @@
             <a:p>
               <a:pPr algn="ctr"/>
               <a:r>
-                <a:rPr lang="en-US" sz="1227" b="1" dirty="0">
+                <a:rPr lang="en-US" sz="1227" b="1" dirty="0" smtClean="0">
                   <a:latin typeface="Arial" panose="020B0604020202020204" pitchFamily="34" charset="0"/>
                   <a:cs typeface="Arial" panose="020B0604020202020204" pitchFamily="34" charset="0"/>
                 </a:rPr>
-                <a:t>Number of Nodes</a:t>
+                <a:t>Node count</a:t>
               </a:r>
+              <a:endParaRPr lang="en-US" sz="1227" b="1" dirty="0">
+                <a:latin typeface="Arial" panose="020B0604020202020204" pitchFamily="34" charset="0"/>
+                <a:cs typeface="Arial" panose="020B0604020202020204" pitchFamily="34" charset="0"/>
+              </a:endParaRPr>
             </a:p>
           </p:txBody>
         </p:sp>
@@ -3519,8 +3523,26 @@
                   <a:latin typeface="Arial" panose="020B0604020202020204" pitchFamily="34" charset="0"/>
                   <a:cs typeface="Arial" panose="020B0604020202020204" pitchFamily="34" charset="0"/>
                 </a:rPr>
-                <a:t>Total Path Lengths</a:t>
+                <a:t>Total </a:t>
               </a:r>
+              <a:r>
+                <a:rPr lang="en-US" sz="1227" b="1" dirty="0">
+                  <a:latin typeface="Arial" panose="020B0604020202020204" pitchFamily="34" charset="0"/>
+                  <a:cs typeface="Arial" panose="020B0604020202020204" pitchFamily="34" charset="0"/>
+                </a:rPr>
+                <a:t>p</a:t>
+              </a:r>
+              <a:r>
+                <a:rPr lang="en-US" sz="1227" b="1" dirty="0" smtClean="0">
+                  <a:latin typeface="Arial" panose="020B0604020202020204" pitchFamily="34" charset="0"/>
+                  <a:cs typeface="Arial" panose="020B0604020202020204" pitchFamily="34" charset="0"/>
+                </a:rPr>
+                <a:t>ath length</a:t>
+              </a:r>
+              <a:endParaRPr lang="en-US" sz="1227" b="1" dirty="0">
+                <a:latin typeface="Arial" panose="020B0604020202020204" pitchFamily="34" charset="0"/>
+                <a:cs typeface="Arial" panose="020B0604020202020204" pitchFamily="34" charset="0"/>
+              </a:endParaRPr>
             </a:p>
           </p:txBody>
         </p:sp>
